--- a/Sprint 1 - Testes/Testes 4.pptx
+++ b/Sprint 1 - Testes/Testes 4.pptx
@@ -10,8 +10,7 @@
     <p:sldId id="258" r:id="rId4"/>
     <p:sldId id="259" r:id="rId5"/>
     <p:sldId id="262" r:id="rId6"/>
-    <p:sldId id="260" r:id="rId7"/>
-    <p:sldId id="263" r:id="rId8"/>
+    <p:sldId id="263" r:id="rId7"/>
   </p:sldIdLst>
   <p:sldSz cx="12192000" cy="6858000"/>
   <p:notesSz cx="6858000" cy="9144000"/>
@@ -124,7 +123,6 @@
             <p14:sldId id="258"/>
             <p14:sldId id="259"/>
             <p14:sldId id="262"/>
-            <p14:sldId id="260"/>
             <p14:sldId id="263"/>
           </p14:sldIdLst>
         </p14:section>
@@ -289,7 +287,7 @@
           <a:p>
             <a:fld id="{2353B63C-5265-4F78-9B57-D7104B5DE5E4}" type="datetimeFigureOut">
               <a:rPr lang="pt-PT" smtClean="0"/>
-              <a:t>03/10/2018</a:t>
+              <a:t>04/10/2018</a:t>
             </a:fld>
             <a:endParaRPr lang="pt-PT"/>
           </a:p>
@@ -459,7 +457,7 @@
           <a:p>
             <a:fld id="{2353B63C-5265-4F78-9B57-D7104B5DE5E4}" type="datetimeFigureOut">
               <a:rPr lang="pt-PT" smtClean="0"/>
-              <a:t>03/10/2018</a:t>
+              <a:t>04/10/2018</a:t>
             </a:fld>
             <a:endParaRPr lang="pt-PT"/>
           </a:p>
@@ -639,7 +637,7 @@
           <a:p>
             <a:fld id="{2353B63C-5265-4F78-9B57-D7104B5DE5E4}" type="datetimeFigureOut">
               <a:rPr lang="pt-PT" smtClean="0"/>
-              <a:t>03/10/2018</a:t>
+              <a:t>04/10/2018</a:t>
             </a:fld>
             <a:endParaRPr lang="pt-PT"/>
           </a:p>
@@ -809,7 +807,7 @@
           <a:p>
             <a:fld id="{2353B63C-5265-4F78-9B57-D7104B5DE5E4}" type="datetimeFigureOut">
               <a:rPr lang="pt-PT" smtClean="0"/>
-              <a:t>03/10/2018</a:t>
+              <a:t>04/10/2018</a:t>
             </a:fld>
             <a:endParaRPr lang="pt-PT"/>
           </a:p>
@@ -1055,7 +1053,7 @@
           <a:p>
             <a:fld id="{2353B63C-5265-4F78-9B57-D7104B5DE5E4}" type="datetimeFigureOut">
               <a:rPr lang="pt-PT" smtClean="0"/>
-              <a:t>03/10/2018</a:t>
+              <a:t>04/10/2018</a:t>
             </a:fld>
             <a:endParaRPr lang="pt-PT"/>
           </a:p>
@@ -1287,7 +1285,7 @@
           <a:p>
             <a:fld id="{2353B63C-5265-4F78-9B57-D7104B5DE5E4}" type="datetimeFigureOut">
               <a:rPr lang="pt-PT" smtClean="0"/>
-              <a:t>03/10/2018</a:t>
+              <a:t>04/10/2018</a:t>
             </a:fld>
             <a:endParaRPr lang="pt-PT"/>
           </a:p>
@@ -1654,7 +1652,7 @@
           <a:p>
             <a:fld id="{2353B63C-5265-4F78-9B57-D7104B5DE5E4}" type="datetimeFigureOut">
               <a:rPr lang="pt-PT" smtClean="0"/>
-              <a:t>03/10/2018</a:t>
+              <a:t>04/10/2018</a:t>
             </a:fld>
             <a:endParaRPr lang="pt-PT"/>
           </a:p>
@@ -1772,7 +1770,7 @@
           <a:p>
             <a:fld id="{2353B63C-5265-4F78-9B57-D7104B5DE5E4}" type="datetimeFigureOut">
               <a:rPr lang="pt-PT" smtClean="0"/>
-              <a:t>03/10/2018</a:t>
+              <a:t>04/10/2018</a:t>
             </a:fld>
             <a:endParaRPr lang="pt-PT"/>
           </a:p>
@@ -1867,7 +1865,7 @@
           <a:p>
             <a:fld id="{2353B63C-5265-4F78-9B57-D7104B5DE5E4}" type="datetimeFigureOut">
               <a:rPr lang="pt-PT" smtClean="0"/>
-              <a:t>03/10/2018</a:t>
+              <a:t>04/10/2018</a:t>
             </a:fld>
             <a:endParaRPr lang="pt-PT"/>
           </a:p>
@@ -2144,7 +2142,7 @@
           <a:p>
             <a:fld id="{2353B63C-5265-4F78-9B57-D7104B5DE5E4}" type="datetimeFigureOut">
               <a:rPr lang="pt-PT" smtClean="0"/>
-              <a:t>03/10/2018</a:t>
+              <a:t>04/10/2018</a:t>
             </a:fld>
             <a:endParaRPr lang="pt-PT"/>
           </a:p>
@@ -2397,7 +2395,7 @@
           <a:p>
             <a:fld id="{2353B63C-5265-4F78-9B57-D7104B5DE5E4}" type="datetimeFigureOut">
               <a:rPr lang="pt-PT" smtClean="0"/>
-              <a:t>03/10/2018</a:t>
+              <a:t>04/10/2018</a:t>
             </a:fld>
             <a:endParaRPr lang="pt-PT"/>
           </a:p>
@@ -2610,7 +2608,7 @@
           <a:p>
             <a:fld id="{2353B63C-5265-4F78-9B57-D7104B5DE5E4}" type="datetimeFigureOut">
               <a:rPr lang="pt-PT" smtClean="0"/>
-              <a:t>03/10/2018</a:t>
+              <a:t>04/10/2018</a:t>
             </a:fld>
             <a:endParaRPr lang="pt-PT"/>
           </a:p>
@@ -5144,8 +5142,8 @@
         </p:nvSpPr>
         <p:spPr>
           <a:xfrm>
-            <a:off x="6435306" y="1043795"/>
-            <a:ext cx="4605945" cy="431321"/>
+            <a:off x="8617788" y="1027906"/>
+            <a:ext cx="2173857" cy="352320"/>
           </a:xfrm>
           <a:prstGeom prst="rect">
             <a:avLst/>
@@ -5177,885 +5175,40 @@
           <a:bodyPr rtlCol="0" anchor="ctr"/>
           <a:lstStyle/>
           <a:p>
-            <a:pPr algn="ctr"/>
-            <a:endParaRPr lang="pt-PT"/>
-          </a:p>
-        </p:txBody>
-      </p:sp>
-      <p:graphicFrame>
-        <p:nvGraphicFramePr>
-          <p:cNvPr id="7" name="Content Placeholder 6"/>
-          <p:cNvGraphicFramePr>
-            <a:graphicFrameLocks noGrp="1"/>
-          </p:cNvGraphicFramePr>
-          <p:nvPr>
-            <p:ph idx="1"/>
-            <p:extLst>
-              <p:ext uri="{D42A27DB-BD31-4B8C-83A1-F6EECF244321}">
-                <p14:modId xmlns:p14="http://schemas.microsoft.com/office/powerpoint/2010/main" val="843456007"/>
-              </p:ext>
-            </p:extLst>
-          </p:nvPr>
-        </p:nvGraphicFramePr>
-        <p:xfrm>
-          <a:off x="1258998" y="1825625"/>
-          <a:ext cx="9674003" cy="3817955"/>
-        </p:xfrm>
-        <a:graphic>
-          <a:graphicData uri="http://schemas.openxmlformats.org/drawingml/2006/table">
-            <a:tbl>
-              <a:tblPr firstRow="1" bandRow="1">
-                <a:tableStyleId>{93296810-A885-4BE3-A3E7-6D5BEEA58F35}</a:tableStyleId>
-              </a:tblPr>
-              <a:tblGrid>
-                <a:gridCol w="901023">
-                  <a:extLst>
-                    <a:ext uri="{9D8B030D-6E8A-4147-A177-3AD203B41FA5}">
-                      <a16:colId xmlns:a16="http://schemas.microsoft.com/office/drawing/2014/main" val="3839103568"/>
-                    </a:ext>
-                  </a:extLst>
-                </a:gridCol>
-                <a:gridCol w="1793724">
-                  <a:extLst>
-                    <a:ext uri="{9D8B030D-6E8A-4147-A177-3AD203B41FA5}">
-                      <a16:colId xmlns:a16="http://schemas.microsoft.com/office/drawing/2014/main" val="187051537"/>
-                    </a:ext>
-                  </a:extLst>
-                </a:gridCol>
-                <a:gridCol w="2844950">
-                  <a:extLst>
-                    <a:ext uri="{9D8B030D-6E8A-4147-A177-3AD203B41FA5}">
-                      <a16:colId xmlns:a16="http://schemas.microsoft.com/office/drawing/2014/main" val="2025017854"/>
-                    </a:ext>
-                  </a:extLst>
-                </a:gridCol>
-                <a:gridCol w="2067153">
-                  <a:extLst>
-                    <a:ext uri="{9D8B030D-6E8A-4147-A177-3AD203B41FA5}">
-                      <a16:colId xmlns:a16="http://schemas.microsoft.com/office/drawing/2014/main" val="3695970854"/>
-                    </a:ext>
-                  </a:extLst>
-                </a:gridCol>
-                <a:gridCol w="2067153">
-                  <a:extLst>
-                    <a:ext uri="{9D8B030D-6E8A-4147-A177-3AD203B41FA5}">
-                      <a16:colId xmlns:a16="http://schemas.microsoft.com/office/drawing/2014/main" val="1395733704"/>
-                    </a:ext>
-                  </a:extLst>
-                </a:gridCol>
-              </a:tblGrid>
-              <a:tr h="469001">
-                <a:tc>
-                  <a:txBody>
-                    <a:bodyPr/>
-                    <a:lstStyle/>
-                    <a:p>
-                      <a:endParaRPr lang="pt-PT" dirty="0"/>
-                    </a:p>
-                  </a:txBody>
-                  <a:tcPr>
-                    <a:lnL w="12700" cmpd="sng">
-                      <a:noFill/>
-                    </a:lnL>
-                    <a:lnR w="12700" cmpd="sng">
-                      <a:noFill/>
-                    </a:lnR>
-                    <a:lnT w="12700" cmpd="sng">
-                      <a:noFill/>
-                    </a:lnT>
-                    <a:lnB w="38100" cmpd="sng">
-                      <a:noFill/>
-                    </a:lnB>
-                    <a:lnTlToBr w="12700" cmpd="sng">
-                      <a:noFill/>
-                      <a:prstDash val="solid"/>
-                    </a:lnTlToBr>
-                    <a:lnBlToTr w="12700" cmpd="sng">
-                      <a:noFill/>
-                      <a:prstDash val="solid"/>
-                    </a:lnBlToTr>
-                    <a:solidFill>
-                      <a:srgbClr val="009245"/>
-                    </a:solidFill>
-                  </a:tcPr>
-                </a:tc>
-                <a:tc>
-                  <a:txBody>
-                    <a:bodyPr/>
-                    <a:lstStyle/>
-                    <a:p>
-                      <a:pPr algn="ctr"/>
-                      <a:r>
-                        <a:rPr lang="pt-PT" spc="300" dirty="0">
-                          <a:solidFill>
-                            <a:schemeClr val="bg1"/>
-                          </a:solidFill>
-                          <a:latin typeface="Affogato Light" panose="00000400000000000000" pitchFamily="50" charset="0"/>
-                        </a:rPr>
-                        <a:t>TASK</a:t>
-                      </a:r>
-                      <a:r>
-                        <a:rPr lang="pt-PT" spc="300" baseline="0" dirty="0">
-                          <a:solidFill>
-                            <a:schemeClr val="bg1"/>
-                          </a:solidFill>
-                          <a:latin typeface="Affogato Light" panose="00000400000000000000" pitchFamily="50" charset="0"/>
-                        </a:rPr>
-                        <a:t> #1</a:t>
-                      </a:r>
-                      <a:endParaRPr lang="pt-PT" spc="300" dirty="0">
-                        <a:solidFill>
-                          <a:schemeClr val="bg1"/>
-                        </a:solidFill>
-                        <a:latin typeface="Affogato Light" panose="00000400000000000000" pitchFamily="50" charset="0"/>
-                      </a:endParaRPr>
-                    </a:p>
-                  </a:txBody>
-                  <a:tcPr anchor="ctr">
-                    <a:lnL w="12700" cmpd="sng">
-                      <a:noFill/>
-                    </a:lnL>
-                    <a:lnR w="12700" cmpd="sng">
-                      <a:noFill/>
-                    </a:lnR>
-                    <a:lnT w="12700" cmpd="sng">
-                      <a:noFill/>
-                    </a:lnT>
-                    <a:lnB w="38100" cmpd="sng">
-                      <a:noFill/>
-                    </a:lnB>
-                    <a:lnTlToBr w="12700" cmpd="sng">
-                      <a:noFill/>
-                      <a:prstDash val="solid"/>
-                    </a:lnTlToBr>
-                    <a:lnBlToTr w="12700" cmpd="sng">
-                      <a:noFill/>
-                      <a:prstDash val="solid"/>
-                    </a:lnBlToTr>
-                    <a:solidFill>
-                      <a:srgbClr val="009245"/>
-                    </a:solidFill>
-                  </a:tcPr>
-                </a:tc>
-                <a:tc>
-                  <a:txBody>
-                    <a:bodyPr/>
-                    <a:lstStyle/>
-                    <a:p>
-                      <a:pPr marL="0" marR="0" indent="0" algn="ctr" defTabSz="914400" rtl="0" eaLnBrk="1" fontAlgn="auto" latinLnBrk="0" hangingPunct="1">
-                        <a:lnSpc>
-                          <a:spcPct val="100000"/>
-                        </a:lnSpc>
-                        <a:spcBef>
-                          <a:spcPts val="0"/>
-                        </a:spcBef>
-                        <a:spcAft>
-                          <a:spcPts val="0"/>
-                        </a:spcAft>
-                        <a:buClrTx/>
-                        <a:buSzTx/>
-                        <a:buFontTx/>
-                        <a:buNone/>
-                        <a:tabLst/>
-                        <a:defRPr/>
-                      </a:pPr>
-                      <a:r>
-                        <a:rPr lang="pt-PT" spc="300" dirty="0">
-                          <a:solidFill>
-                            <a:schemeClr val="bg1"/>
-                          </a:solidFill>
-                          <a:latin typeface="Affogato Light" panose="00000400000000000000" pitchFamily="50" charset="0"/>
-                        </a:rPr>
-                        <a:t>TASK</a:t>
-                      </a:r>
-                      <a:r>
-                        <a:rPr lang="pt-PT" spc="300" baseline="0" dirty="0">
-                          <a:solidFill>
-                            <a:schemeClr val="bg1"/>
-                          </a:solidFill>
-                          <a:latin typeface="Affogato Light" panose="00000400000000000000" pitchFamily="50" charset="0"/>
-                        </a:rPr>
-                        <a:t> #2</a:t>
-                      </a:r>
-                      <a:endParaRPr lang="pt-PT" spc="300" dirty="0">
-                        <a:solidFill>
-                          <a:schemeClr val="bg1"/>
-                        </a:solidFill>
-                        <a:latin typeface="Affogato Light" panose="00000400000000000000" pitchFamily="50" charset="0"/>
-                      </a:endParaRPr>
-                    </a:p>
-                  </a:txBody>
-                  <a:tcPr anchor="ctr">
-                    <a:lnL w="12700" cmpd="sng">
-                      <a:noFill/>
-                    </a:lnL>
-                    <a:lnR w="12700" cmpd="sng">
-                      <a:noFill/>
-                    </a:lnR>
-                    <a:lnT w="12700" cmpd="sng">
-                      <a:noFill/>
-                    </a:lnT>
-                    <a:lnB w="38100" cmpd="sng">
-                      <a:noFill/>
-                    </a:lnB>
-                    <a:lnTlToBr w="12700" cmpd="sng">
-                      <a:noFill/>
-                      <a:prstDash val="solid"/>
-                    </a:lnTlToBr>
-                    <a:lnBlToTr w="12700" cmpd="sng">
-                      <a:noFill/>
-                      <a:prstDash val="solid"/>
-                    </a:lnBlToTr>
-                    <a:solidFill>
-                      <a:srgbClr val="009245"/>
-                    </a:solidFill>
-                  </a:tcPr>
-                </a:tc>
-                <a:tc>
-                  <a:txBody>
-                    <a:bodyPr/>
-                    <a:lstStyle/>
-                    <a:p>
-                      <a:pPr marL="0" marR="0" indent="0" algn="ctr" defTabSz="914400" rtl="0" eaLnBrk="1" fontAlgn="auto" latinLnBrk="0" hangingPunct="1">
-                        <a:lnSpc>
-                          <a:spcPct val="100000"/>
-                        </a:lnSpc>
-                        <a:spcBef>
-                          <a:spcPts val="0"/>
-                        </a:spcBef>
-                        <a:spcAft>
-                          <a:spcPts val="0"/>
-                        </a:spcAft>
-                        <a:buClrTx/>
-                        <a:buSzTx/>
-                        <a:buFontTx/>
-                        <a:buNone/>
-                        <a:tabLst/>
-                        <a:defRPr/>
-                      </a:pPr>
-                      <a:r>
-                        <a:rPr lang="pt-PT" spc="300" dirty="0">
-                          <a:solidFill>
-                            <a:schemeClr val="bg1"/>
-                          </a:solidFill>
-                          <a:latin typeface="Affogato Light" panose="00000400000000000000" pitchFamily="50" charset="0"/>
-                        </a:rPr>
-                        <a:t>TASK</a:t>
-                      </a:r>
-                      <a:r>
-                        <a:rPr lang="pt-PT" spc="300" baseline="0" dirty="0">
-                          <a:solidFill>
-                            <a:schemeClr val="bg1"/>
-                          </a:solidFill>
-                          <a:latin typeface="Affogato Light" panose="00000400000000000000" pitchFamily="50" charset="0"/>
-                        </a:rPr>
-                        <a:t> #3</a:t>
-                      </a:r>
-                      <a:endParaRPr lang="pt-PT" spc="300" dirty="0">
-                        <a:solidFill>
-                          <a:schemeClr val="bg1"/>
-                        </a:solidFill>
-                        <a:latin typeface="Affogato Light" panose="00000400000000000000" pitchFamily="50" charset="0"/>
-                      </a:endParaRPr>
-                    </a:p>
-                  </a:txBody>
-                  <a:tcPr anchor="ctr">
-                    <a:lnL w="12700" cmpd="sng">
-                      <a:noFill/>
-                    </a:lnL>
-                    <a:lnR w="12700" cmpd="sng">
-                      <a:noFill/>
-                    </a:lnR>
-                    <a:lnT w="12700" cmpd="sng">
-                      <a:noFill/>
-                    </a:lnT>
-                    <a:lnB w="38100" cmpd="sng">
-                      <a:noFill/>
-                    </a:lnB>
-                    <a:lnTlToBr w="12700" cmpd="sng">
-                      <a:noFill/>
-                      <a:prstDash val="solid"/>
-                    </a:lnTlToBr>
-                    <a:lnBlToTr w="12700" cmpd="sng">
-                      <a:noFill/>
-                      <a:prstDash val="solid"/>
-                    </a:lnBlToTr>
-                    <a:solidFill>
-                      <a:srgbClr val="009245"/>
-                    </a:solidFill>
-                  </a:tcPr>
-                </a:tc>
-                <a:tc>
-                  <a:txBody>
-                    <a:bodyPr/>
-                    <a:lstStyle/>
-                    <a:p>
-                      <a:pPr marL="0" marR="0" lvl="0" indent="0" algn="ctr" defTabSz="914400" rtl="0" eaLnBrk="1" fontAlgn="auto" latinLnBrk="0" hangingPunct="1">
-                        <a:lnSpc>
-                          <a:spcPct val="100000"/>
-                        </a:lnSpc>
-                        <a:spcBef>
-                          <a:spcPts val="0"/>
-                        </a:spcBef>
-                        <a:spcAft>
-                          <a:spcPts val="0"/>
-                        </a:spcAft>
-                        <a:buClrTx/>
-                        <a:buSzTx/>
-                        <a:buFontTx/>
-                        <a:buNone/>
-                        <a:tabLst/>
-                        <a:defRPr/>
-                      </a:pPr>
-                      <a:r>
-                        <a:rPr lang="pt-PT" spc="300" dirty="0">
-                          <a:solidFill>
-                            <a:schemeClr val="bg1"/>
-                          </a:solidFill>
-                          <a:latin typeface="Affogato Light" panose="00000400000000000000" pitchFamily="50" charset="0"/>
-                        </a:rPr>
-                        <a:t>TASK</a:t>
-                      </a:r>
-                      <a:r>
-                        <a:rPr lang="pt-PT" spc="300" baseline="0" dirty="0">
-                          <a:solidFill>
-                            <a:schemeClr val="bg1"/>
-                          </a:solidFill>
-                          <a:latin typeface="Affogato Light" panose="00000400000000000000" pitchFamily="50" charset="0"/>
-                        </a:rPr>
-                        <a:t> #4</a:t>
-                      </a:r>
-                      <a:endParaRPr lang="pt-PT" spc="300" dirty="0">
-                        <a:solidFill>
-                          <a:schemeClr val="bg1"/>
-                        </a:solidFill>
-                        <a:latin typeface="Affogato Light" panose="00000400000000000000" pitchFamily="50" charset="0"/>
-                      </a:endParaRPr>
-                    </a:p>
-                  </a:txBody>
-                  <a:tcPr anchor="ctr">
-                    <a:lnL w="12700" cmpd="sng">
-                      <a:noFill/>
-                    </a:lnL>
-                    <a:lnR w="12700" cmpd="sng">
-                      <a:noFill/>
-                    </a:lnR>
-                    <a:lnT w="12700" cmpd="sng">
-                      <a:noFill/>
-                    </a:lnT>
-                    <a:lnB w="38100" cmpd="sng">
-                      <a:noFill/>
-                    </a:lnB>
-                    <a:lnTlToBr w="12700" cmpd="sng">
-                      <a:noFill/>
-                      <a:prstDash val="solid"/>
-                    </a:lnTlToBr>
-                    <a:lnBlToTr w="12700" cmpd="sng">
-                      <a:noFill/>
-                      <a:prstDash val="solid"/>
-                    </a:lnBlToTr>
-                    <a:solidFill>
-                      <a:srgbClr val="009245"/>
-                    </a:solidFill>
-                  </a:tcPr>
-                </a:tc>
-                <a:extLst>
-                  <a:ext uri="{0D108BD9-81ED-4DB2-BD59-A6C34878D82A}">
-                    <a16:rowId xmlns:a16="http://schemas.microsoft.com/office/drawing/2014/main" val="3610859294"/>
-                  </a:ext>
-                </a:extLst>
-              </a:tr>
-              <a:tr h="811518">
-                <a:tc>
-                  <a:txBody>
-                    <a:bodyPr/>
-                    <a:lstStyle/>
-                    <a:p>
-                      <a:pPr algn="ctr"/>
-                      <a:r>
-                        <a:rPr lang="pt-PT" spc="300" dirty="0">
-                          <a:latin typeface="Affogato Light" panose="00000400000000000000" pitchFamily="50" charset="0"/>
-                        </a:rPr>
-                        <a:t>TASK</a:t>
-                      </a:r>
-                    </a:p>
-                  </a:txBody>
-                  <a:tcPr anchor="ctr">
-                    <a:lnT w="38100" cmpd="sng">
-                      <a:noFill/>
-                    </a:lnT>
-                  </a:tcPr>
-                </a:tc>
-                <a:tc>
-                  <a:txBody>
-                    <a:bodyPr/>
-                    <a:lstStyle/>
-                    <a:p>
-                      <a:pPr algn="ctr"/>
-                      <a:endParaRPr lang="pt-PT" dirty="0"/>
-                    </a:p>
-                  </a:txBody>
-                  <a:tcPr anchor="ctr">
-                    <a:lnT w="38100" cmpd="sng">
-                      <a:noFill/>
-                    </a:lnT>
-                  </a:tcPr>
-                </a:tc>
-                <a:tc>
-                  <a:txBody>
-                    <a:bodyPr/>
-                    <a:lstStyle/>
-                    <a:p>
-                      <a:pPr marL="0" marR="0" lvl="0" indent="0" algn="ctr" defTabSz="914400" rtl="0" eaLnBrk="1" fontAlgn="auto" latinLnBrk="0" hangingPunct="1">
-                        <a:lnSpc>
-                          <a:spcPct val="100000"/>
-                        </a:lnSpc>
-                        <a:spcBef>
-                          <a:spcPts val="0"/>
-                        </a:spcBef>
-                        <a:spcAft>
-                          <a:spcPts val="0"/>
-                        </a:spcAft>
-                        <a:buClrTx/>
-                        <a:buSzTx/>
-                        <a:buFontTx/>
-                        <a:buNone/>
-                        <a:tabLst/>
-                        <a:defRPr/>
-                      </a:pPr>
-                      <a:endParaRPr lang="pt-PT" dirty="0"/>
-                    </a:p>
-                  </a:txBody>
-                  <a:tcPr anchor="ctr">
-                    <a:lnT w="38100" cmpd="sng">
-                      <a:noFill/>
-                    </a:lnT>
-                  </a:tcPr>
-                </a:tc>
-                <a:tc>
-                  <a:txBody>
-                    <a:bodyPr/>
-                    <a:lstStyle/>
-                    <a:p>
-                      <a:pPr marL="0" marR="0" lvl="0" indent="0" algn="ctr" defTabSz="914400" rtl="0" eaLnBrk="1" fontAlgn="auto" latinLnBrk="0" hangingPunct="1">
-                        <a:lnSpc>
-                          <a:spcPct val="100000"/>
-                        </a:lnSpc>
-                        <a:spcBef>
-                          <a:spcPts val="0"/>
-                        </a:spcBef>
-                        <a:spcAft>
-                          <a:spcPts val="0"/>
-                        </a:spcAft>
-                        <a:buClrTx/>
-                        <a:buSzTx/>
-                        <a:buFontTx/>
-                        <a:buNone/>
-                        <a:tabLst/>
-                        <a:defRPr/>
-                      </a:pPr>
-                      <a:endParaRPr lang="pt-PT" dirty="0"/>
-                    </a:p>
-                  </a:txBody>
-                  <a:tcPr anchor="ctr">
-                    <a:lnT w="38100" cmpd="sng">
-                      <a:noFill/>
-                    </a:lnT>
-                  </a:tcPr>
-                </a:tc>
-                <a:tc>
-                  <a:txBody>
-                    <a:bodyPr/>
-                    <a:lstStyle/>
-                    <a:p>
-                      <a:pPr algn="ctr"/>
-                      <a:endParaRPr lang="pt-PT" dirty="0"/>
-                    </a:p>
-                  </a:txBody>
-                  <a:tcPr anchor="ctr">
-                    <a:lnT w="38100" cmpd="sng">
-                      <a:noFill/>
-                    </a:lnT>
-                  </a:tcPr>
-                </a:tc>
-                <a:extLst>
-                  <a:ext uri="{0D108BD9-81ED-4DB2-BD59-A6C34878D82A}">
-                    <a16:rowId xmlns:a16="http://schemas.microsoft.com/office/drawing/2014/main" val="641888722"/>
-                  </a:ext>
-                </a:extLst>
-              </a:tr>
-              <a:tr h="811518">
-                <a:tc>
-                  <a:txBody>
-                    <a:bodyPr/>
-                    <a:lstStyle/>
-                    <a:p>
-                      <a:pPr marL="0" marR="0" indent="0" algn="ctr" defTabSz="914400" rtl="0" eaLnBrk="1" fontAlgn="auto" latinLnBrk="0" hangingPunct="1">
-                        <a:lnSpc>
-                          <a:spcPct val="100000"/>
-                        </a:lnSpc>
-                        <a:spcBef>
-                          <a:spcPts val="0"/>
-                        </a:spcBef>
-                        <a:spcAft>
-                          <a:spcPts val="0"/>
-                        </a:spcAft>
-                        <a:buClrTx/>
-                        <a:buSzTx/>
-                        <a:buFontTx/>
-                        <a:buNone/>
-                        <a:tabLst/>
-                        <a:defRPr/>
-                      </a:pPr>
-                      <a:r>
-                        <a:rPr lang="pt-PT" sz="1800" spc="300" dirty="0">
-                          <a:latin typeface="Affogato Light" panose="00000400000000000000" pitchFamily="50" charset="0"/>
-                        </a:rPr>
-                        <a:t>OWNER</a:t>
-                      </a:r>
-                    </a:p>
-                  </a:txBody>
-                  <a:tcPr anchor="ctr"/>
-                </a:tc>
-                <a:tc>
-                  <a:txBody>
-                    <a:bodyPr/>
-                    <a:lstStyle/>
-                    <a:p>
-                      <a:pPr algn="ctr"/>
-                      <a:endParaRPr lang="pt-PT" dirty="0"/>
-                    </a:p>
-                  </a:txBody>
-                  <a:tcPr anchor="ctr"/>
-                </a:tc>
-                <a:tc>
-                  <a:txBody>
-                    <a:bodyPr/>
-                    <a:lstStyle/>
-                    <a:p>
-                      <a:pPr marL="0" marR="0" lvl="0" indent="0" algn="ctr" defTabSz="914400" rtl="0" eaLnBrk="1" fontAlgn="auto" latinLnBrk="0" hangingPunct="1">
-                        <a:lnSpc>
-                          <a:spcPct val="100000"/>
-                        </a:lnSpc>
-                        <a:spcBef>
-                          <a:spcPts val="0"/>
-                        </a:spcBef>
-                        <a:spcAft>
-                          <a:spcPts val="0"/>
-                        </a:spcAft>
-                        <a:buClrTx/>
-                        <a:buSzTx/>
-                        <a:buFontTx/>
-                        <a:buNone/>
-                        <a:tabLst/>
-                        <a:defRPr/>
-                      </a:pPr>
-                      <a:endParaRPr lang="pt-PT" dirty="0"/>
-                    </a:p>
-                  </a:txBody>
-                  <a:tcPr anchor="ctr"/>
-                </a:tc>
-                <a:tc>
-                  <a:txBody>
-                    <a:bodyPr/>
-                    <a:lstStyle/>
-                    <a:p>
-                      <a:pPr marL="0" marR="0" lvl="0" indent="0" algn="ctr" defTabSz="914400" rtl="0" eaLnBrk="1" fontAlgn="auto" latinLnBrk="0" hangingPunct="1">
-                        <a:lnSpc>
-                          <a:spcPct val="100000"/>
-                        </a:lnSpc>
-                        <a:spcBef>
-                          <a:spcPts val="0"/>
-                        </a:spcBef>
-                        <a:spcAft>
-                          <a:spcPts val="0"/>
-                        </a:spcAft>
-                        <a:buClrTx/>
-                        <a:buSzTx/>
-                        <a:buFontTx/>
-                        <a:buNone/>
-                        <a:tabLst/>
-                        <a:defRPr/>
-                      </a:pPr>
-                      <a:endParaRPr lang="pt-PT" dirty="0"/>
-                    </a:p>
-                  </a:txBody>
-                  <a:tcPr anchor="ctr"/>
-                </a:tc>
-                <a:tc>
-                  <a:txBody>
-                    <a:bodyPr/>
-                    <a:lstStyle/>
-                    <a:p>
-                      <a:pPr marL="0" marR="0" lvl="0" indent="0" algn="ctr" defTabSz="914400" rtl="0" eaLnBrk="1" fontAlgn="auto" latinLnBrk="0" hangingPunct="1">
-                        <a:lnSpc>
-                          <a:spcPct val="100000"/>
-                        </a:lnSpc>
-                        <a:spcBef>
-                          <a:spcPts val="0"/>
-                        </a:spcBef>
-                        <a:spcAft>
-                          <a:spcPts val="0"/>
-                        </a:spcAft>
-                        <a:buClrTx/>
-                        <a:buSzTx/>
-                        <a:buFontTx/>
-                        <a:buNone/>
-                        <a:tabLst/>
-                        <a:defRPr/>
-                      </a:pPr>
-                      <a:endParaRPr lang="pt-PT" dirty="0"/>
-                    </a:p>
-                  </a:txBody>
-                  <a:tcPr anchor="ctr"/>
-                </a:tc>
-                <a:extLst>
-                  <a:ext uri="{0D108BD9-81ED-4DB2-BD59-A6C34878D82A}">
-                    <a16:rowId xmlns:a16="http://schemas.microsoft.com/office/drawing/2014/main" val="109270533"/>
-                  </a:ext>
-                </a:extLst>
-              </a:tr>
-              <a:tr h="811518">
-                <a:tc>
-                  <a:txBody>
-                    <a:bodyPr/>
-                    <a:lstStyle/>
-                    <a:p>
-                      <a:pPr marL="0" marR="0" indent="0" algn="ctr" defTabSz="914400" rtl="0" eaLnBrk="1" fontAlgn="auto" latinLnBrk="0" hangingPunct="1">
-                        <a:lnSpc>
-                          <a:spcPct val="100000"/>
-                        </a:lnSpc>
-                        <a:spcBef>
-                          <a:spcPts val="0"/>
-                        </a:spcBef>
-                        <a:spcAft>
-                          <a:spcPts val="0"/>
-                        </a:spcAft>
-                        <a:buClrTx/>
-                        <a:buSzTx/>
-                        <a:buFontTx/>
-                        <a:buNone/>
-                        <a:tabLst/>
-                        <a:defRPr/>
-                      </a:pPr>
-                      <a:r>
-                        <a:rPr lang="pt-PT" sz="1800" spc="300" dirty="0">
-                          <a:latin typeface="Affogato Light" panose="00000400000000000000" pitchFamily="50" charset="0"/>
-                        </a:rPr>
-                        <a:t>GOAL</a:t>
-                      </a:r>
-                    </a:p>
-                    <a:p>
-                      <a:pPr marL="0" marR="0" indent="0" algn="ctr" defTabSz="914400" rtl="0" eaLnBrk="1" fontAlgn="auto" latinLnBrk="0" hangingPunct="1">
-                        <a:lnSpc>
-                          <a:spcPct val="100000"/>
-                        </a:lnSpc>
-                        <a:spcBef>
-                          <a:spcPts val="0"/>
-                        </a:spcBef>
-                        <a:spcAft>
-                          <a:spcPts val="0"/>
-                        </a:spcAft>
-                        <a:buClrTx/>
-                        <a:buSzTx/>
-                        <a:buFontTx/>
-                        <a:buNone/>
-                        <a:tabLst/>
-                        <a:defRPr/>
-                      </a:pPr>
-                      <a:r>
-                        <a:rPr lang="pt-PT" sz="1800" spc="300" dirty="0">
-                          <a:latin typeface="Affogato Light" panose="00000400000000000000" pitchFamily="50" charset="0"/>
-                        </a:rPr>
-                        <a:t>EFFORT</a:t>
-                      </a:r>
-                    </a:p>
-                  </a:txBody>
-                  <a:tcPr anchor="ctr"/>
-                </a:tc>
-                <a:tc>
-                  <a:txBody>
-                    <a:bodyPr/>
-                    <a:lstStyle/>
-                    <a:p>
-                      <a:pPr algn="ctr"/>
-                      <a:endParaRPr lang="pt-PT" dirty="0"/>
-                    </a:p>
-                  </a:txBody>
-                  <a:tcPr anchor="ctr"/>
-                </a:tc>
-                <a:tc>
-                  <a:txBody>
-                    <a:bodyPr/>
-                    <a:lstStyle/>
-                    <a:p>
-                      <a:pPr marL="0" marR="0" lvl="0" indent="0" algn="ctr" defTabSz="914400" rtl="0" eaLnBrk="1" fontAlgn="auto" latinLnBrk="0" hangingPunct="1">
-                        <a:lnSpc>
-                          <a:spcPct val="100000"/>
-                        </a:lnSpc>
-                        <a:spcBef>
-                          <a:spcPts val="0"/>
-                        </a:spcBef>
-                        <a:spcAft>
-                          <a:spcPts val="0"/>
-                        </a:spcAft>
-                        <a:buClrTx/>
-                        <a:buSzTx/>
-                        <a:buFontTx/>
-                        <a:buNone/>
-                        <a:tabLst/>
-                        <a:defRPr/>
-                      </a:pPr>
-                      <a:endParaRPr lang="pt-PT" dirty="0"/>
-                    </a:p>
-                  </a:txBody>
-                  <a:tcPr anchor="ctr"/>
-                </a:tc>
-                <a:tc>
-                  <a:txBody>
-                    <a:bodyPr/>
-                    <a:lstStyle/>
-                    <a:p>
-                      <a:pPr marL="0" marR="0" lvl="0" indent="0" algn="ctr" defTabSz="914400" rtl="0" eaLnBrk="1" fontAlgn="auto" latinLnBrk="0" hangingPunct="1">
-                        <a:lnSpc>
-                          <a:spcPct val="100000"/>
-                        </a:lnSpc>
-                        <a:spcBef>
-                          <a:spcPts val="0"/>
-                        </a:spcBef>
-                        <a:spcAft>
-                          <a:spcPts val="0"/>
-                        </a:spcAft>
-                        <a:buClrTx/>
-                        <a:buSzTx/>
-                        <a:buFontTx/>
-                        <a:buNone/>
-                        <a:tabLst/>
-                        <a:defRPr/>
-                      </a:pPr>
-                      <a:endParaRPr lang="pt-PT" dirty="0"/>
-                    </a:p>
-                  </a:txBody>
-                  <a:tcPr anchor="ctr"/>
-                </a:tc>
-                <a:tc>
-                  <a:txBody>
-                    <a:bodyPr/>
-                    <a:lstStyle/>
-                    <a:p>
-                      <a:pPr algn="ctr"/>
-                      <a:endParaRPr lang="pt-PT" dirty="0"/>
-                    </a:p>
-                  </a:txBody>
-                  <a:tcPr anchor="ctr"/>
-                </a:tc>
-                <a:extLst>
-                  <a:ext uri="{0D108BD9-81ED-4DB2-BD59-A6C34878D82A}">
-                    <a16:rowId xmlns:a16="http://schemas.microsoft.com/office/drawing/2014/main" val="3364657508"/>
-                  </a:ext>
-                </a:extLst>
-              </a:tr>
-              <a:tr h="811518">
-                <a:tc>
-                  <a:txBody>
-                    <a:bodyPr/>
-                    <a:lstStyle/>
-                    <a:p>
-                      <a:pPr marL="0" marR="0" indent="0" algn="ctr" defTabSz="914400" rtl="0" eaLnBrk="1" fontAlgn="auto" latinLnBrk="0" hangingPunct="1">
-                        <a:lnSpc>
-                          <a:spcPct val="100000"/>
-                        </a:lnSpc>
-                        <a:spcBef>
-                          <a:spcPts val="0"/>
-                        </a:spcBef>
-                        <a:spcAft>
-                          <a:spcPts val="0"/>
-                        </a:spcAft>
-                        <a:buClrTx/>
-                        <a:buSzTx/>
-                        <a:buFontTx/>
-                        <a:buNone/>
-                        <a:tabLst/>
-                        <a:defRPr/>
-                      </a:pPr>
-                      <a:r>
-                        <a:rPr lang="pt-PT" sz="1800" spc="300" dirty="0">
-                          <a:latin typeface="Affogato Light" panose="00000400000000000000" pitchFamily="50" charset="0"/>
-                        </a:rPr>
-                        <a:t>STATUS</a:t>
-                      </a:r>
-                    </a:p>
-                  </a:txBody>
-                  <a:tcPr anchor="ctr"/>
-                </a:tc>
-                <a:tc>
-                  <a:txBody>
-                    <a:bodyPr/>
-                    <a:lstStyle/>
-                    <a:p>
-                      <a:pPr algn="ctr"/>
-                      <a:r>
-                        <a:rPr lang="pt-PT" dirty="0">
-                          <a:latin typeface="Affogato" panose="00000500000000000000" pitchFamily="50" charset="0"/>
-                        </a:rPr>
-                        <a:t>ON HOLD</a:t>
-                      </a:r>
-                    </a:p>
-                  </a:txBody>
-                  <a:tcPr anchor="ctr"/>
-                </a:tc>
-                <a:tc>
-                  <a:txBody>
-                    <a:bodyPr/>
-                    <a:lstStyle/>
-                    <a:p>
-                      <a:pPr algn="ctr"/>
-                      <a:r>
-                        <a:rPr lang="pt-PT" dirty="0"/>
-                        <a:t>ON HOLD</a:t>
-                      </a:r>
-                    </a:p>
-                  </a:txBody>
-                  <a:tcPr anchor="ctr"/>
-                </a:tc>
-                <a:tc>
-                  <a:txBody>
-                    <a:bodyPr/>
-                    <a:lstStyle/>
-                    <a:p>
-                      <a:pPr algn="ctr"/>
-                      <a:r>
-                        <a:rPr lang="pt-PT" dirty="0"/>
-                        <a:t>ON HOLD</a:t>
-                      </a:r>
-                    </a:p>
-                  </a:txBody>
-                  <a:tcPr anchor="ctr"/>
-                </a:tc>
-                <a:tc>
-                  <a:txBody>
-                    <a:bodyPr/>
-                    <a:lstStyle/>
-                    <a:p>
-                      <a:pPr algn="ctr"/>
-                      <a:r>
-                        <a:rPr lang="pt-PT" dirty="0"/>
-                        <a:t>ON HOLD</a:t>
-                      </a:r>
-                    </a:p>
-                  </a:txBody>
-                  <a:tcPr anchor="ctr"/>
-                </a:tc>
-                <a:extLst>
-                  <a:ext uri="{0D108BD9-81ED-4DB2-BD59-A6C34878D82A}">
-                    <a16:rowId xmlns:a16="http://schemas.microsoft.com/office/drawing/2014/main" val="2527419296"/>
-                  </a:ext>
-                </a:extLst>
-              </a:tr>
-            </a:tbl>
-          </a:graphicData>
-        </a:graphic>
-      </p:graphicFrame>
+            <a:pPr marL="0" marR="0" lvl="0" indent="0" algn="ctr" defTabSz="914400" rtl="0" eaLnBrk="1" fontAlgn="auto" latinLnBrk="0" hangingPunct="1">
+              <a:lnSpc>
+                <a:spcPct val="100000"/>
+              </a:lnSpc>
+              <a:spcBef>
+                <a:spcPts val="0"/>
+              </a:spcBef>
+              <a:spcAft>
+                <a:spcPts val="0"/>
+              </a:spcAft>
+              <a:buClrTx/>
+              <a:buSzTx/>
+              <a:buFontTx/>
+              <a:buNone/>
+              <a:tabLst/>
+              <a:defRPr/>
+            </a:pPr>
+            <a:endParaRPr kumimoji="0" lang="pt-PT" sz="1800" b="0" i="0" u="none" strike="noStrike" kern="1200" cap="none" spc="0" normalizeH="0" baseline="0" noProof="0">
+              <a:ln>
+                <a:noFill/>
+              </a:ln>
+              <a:solidFill>
+                <a:prstClr val="white"/>
+              </a:solidFill>
+              <a:effectLst/>
+              <a:uLnTx/>
+              <a:uFillTx/>
+              <a:latin typeface="Calibri" panose="020F0502020204030204"/>
+              <a:ea typeface="+mn-ea"/>
+              <a:cs typeface="+mn-cs"/>
+            </a:endParaRPr>
+          </a:p>
+        </p:txBody>
+      </p:sp>
       <p:cxnSp>
         <p:nvCxnSpPr>
           <p:cNvPr id="4" name="Straight Connector 3"/>
@@ -6063,9 +5216,9 @@
           <p:nvPr/>
         </p:nvCxnSpPr>
         <p:spPr>
-          <a:xfrm flipV="1">
-            <a:off x="0" y="1043796"/>
-            <a:ext cx="6096000" cy="12147"/>
+          <a:xfrm>
+            <a:off x="0" y="1055943"/>
+            <a:ext cx="8367623" cy="0"/>
           </a:xfrm>
           <a:prstGeom prst="line">
             <a:avLst/>
@@ -6099,8 +5252,8 @@
         </p:nvSpPr>
         <p:spPr>
           <a:xfrm>
-            <a:off x="6366294" y="365125"/>
-            <a:ext cx="4987505" cy="1325563"/>
+            <a:off x="8617788" y="365125"/>
+            <a:ext cx="2736011" cy="1325563"/>
           </a:xfrm>
         </p:spPr>
         <p:txBody>
@@ -6113,7 +5266,35 @@
               <a:rPr lang="pt-PT" sz="5400" dirty="0">
                 <a:latin typeface="Affogato Medium" panose="00000600000000000000" pitchFamily="50" charset="0"/>
               </a:rPr>
-              <a:t>planned tasks.</a:t>
+              <a:t>Q&amp;A.</a:t>
+            </a:r>
+          </a:p>
+        </p:txBody>
+      </p:sp>
+      <p:sp>
+        <p:nvSpPr>
+          <p:cNvPr id="3" name="Marcador de Posição de Conteúdo 2">
+            <a:extLst>
+              <a:ext uri="{FF2B5EF4-FFF2-40B4-BE49-F238E27FC236}">
+                <a16:creationId xmlns:a16="http://schemas.microsoft.com/office/drawing/2014/main" id="{5747F277-E496-445B-8E93-BB3327F73705}"/>
+              </a:ext>
+            </a:extLst>
+          </p:cNvPr>
+          <p:cNvSpPr>
+            <a:spLocks noGrp="1"/>
+          </p:cNvSpPr>
+          <p:nvPr>
+            <p:ph idx="1"/>
+          </p:nvPr>
+        </p:nvSpPr>
+        <p:spPr/>
+        <p:txBody>
+          <a:bodyPr/>
+          <a:lstStyle/>
+          <a:p>
+            <a:r>
+              <a:rPr lang="pt-PT" dirty="0"/>
+              <a:t>Esta semana ainda nos encontramos a finalizar as tarefas designadas para a finalização do sprint #1, portanto não conseguimos ainda estabelecer tarefas para a próxima semana. </a:t>
             </a:r>
           </a:p>
         </p:txBody>
@@ -6121,208 +5302,7 @@
     </p:spTree>
     <p:extLst>
       <p:ext uri="{BB962C8B-B14F-4D97-AF65-F5344CB8AC3E}">
-        <p14:creationId xmlns:p14="http://schemas.microsoft.com/office/powerpoint/2010/main" val="547309296"/>
-      </p:ext>
-    </p:extLst>
-  </p:cSld>
-  <p:clrMapOvr>
-    <a:masterClrMapping/>
-  </p:clrMapOvr>
-</p:sld>
-</file>
-
-<file path=ppt/slides/slide7.xml><?xml version="1.0" encoding="utf-8"?>
-<p:sld xmlns:a="http://schemas.openxmlformats.org/drawingml/2006/main" xmlns:r="http://schemas.openxmlformats.org/officeDocument/2006/relationships" xmlns:p="http://schemas.openxmlformats.org/presentationml/2006/main">
-  <p:cSld>
-    <p:spTree>
-      <p:nvGrpSpPr>
-        <p:cNvPr id="1" name=""/>
-        <p:cNvGrpSpPr/>
-        <p:nvPr/>
-      </p:nvGrpSpPr>
-      <p:grpSpPr>
-        <a:xfrm>
-          <a:off x="0" y="0"/>
-          <a:ext cx="0" cy="0"/>
-          <a:chOff x="0" y="0"/>
-          <a:chExt cx="0" cy="0"/>
-        </a:xfrm>
-      </p:grpSpPr>
-      <p:sp>
-        <p:nvSpPr>
-          <p:cNvPr id="7" name="Rectangle 7">
-            <a:extLst>
-              <a:ext uri="{FF2B5EF4-FFF2-40B4-BE49-F238E27FC236}">
-                <a16:creationId xmlns:a16="http://schemas.microsoft.com/office/drawing/2014/main" id="{E3E36926-F83D-4F25-A428-21A8E350BD21}"/>
-              </a:ext>
-            </a:extLst>
-          </p:cNvPr>
-          <p:cNvSpPr/>
-          <p:nvPr/>
-        </p:nvSpPr>
-        <p:spPr>
-          <a:xfrm>
-            <a:off x="7122160" y="1027906"/>
-            <a:ext cx="3901440" cy="352320"/>
-          </a:xfrm>
-          <a:prstGeom prst="rect">
-            <a:avLst/>
-          </a:prstGeom>
-          <a:solidFill>
-            <a:srgbClr val="4DCE59"/>
-          </a:solidFill>
-          <a:ln>
-            <a:noFill/>
-          </a:ln>
-        </p:spPr>
-        <p:style>
-          <a:lnRef idx="2">
-            <a:schemeClr val="accent1">
-              <a:shade val="50000"/>
-            </a:schemeClr>
-          </a:lnRef>
-          <a:fillRef idx="1">
-            <a:schemeClr val="accent1"/>
-          </a:fillRef>
-          <a:effectRef idx="0">
-            <a:schemeClr val="accent1"/>
-          </a:effectRef>
-          <a:fontRef idx="minor">
-            <a:schemeClr val="lt1"/>
-          </a:fontRef>
-        </p:style>
-        <p:txBody>
-          <a:bodyPr rtlCol="0" anchor="ctr"/>
-          <a:lstStyle/>
-          <a:p>
-            <a:pPr algn="ctr"/>
-            <a:endParaRPr lang="pt-PT"/>
-          </a:p>
-        </p:txBody>
-      </p:sp>
-      <p:cxnSp>
-        <p:nvCxnSpPr>
-          <p:cNvPr id="8" name="Straight Connector 3">
-            <a:extLst>
-              <a:ext uri="{FF2B5EF4-FFF2-40B4-BE49-F238E27FC236}">
-                <a16:creationId xmlns:a16="http://schemas.microsoft.com/office/drawing/2014/main" id="{DC5F7083-051D-4E22-84E3-DB20EF55B576}"/>
-              </a:ext>
-            </a:extLst>
-          </p:cNvPr>
-          <p:cNvCxnSpPr>
-            <a:cxnSpLocks/>
-          </p:cNvCxnSpPr>
-          <p:nvPr/>
-        </p:nvCxnSpPr>
-        <p:spPr>
-          <a:xfrm>
-            <a:off x="0" y="1055943"/>
-            <a:ext cx="6939280" cy="0"/>
-          </a:xfrm>
-          <a:prstGeom prst="line">
-            <a:avLst/>
-          </a:prstGeom>
-          <a:ln w="28575"/>
-        </p:spPr>
-        <p:style>
-          <a:lnRef idx="1">
-            <a:schemeClr val="dk1"/>
-          </a:lnRef>
-          <a:fillRef idx="0">
-            <a:schemeClr val="dk1"/>
-          </a:fillRef>
-          <a:effectRef idx="0">
-            <a:schemeClr val="dk1"/>
-          </a:effectRef>
-          <a:fontRef idx="minor">
-            <a:schemeClr val="tx1"/>
-          </a:fontRef>
-        </p:style>
-      </p:cxnSp>
-      <p:sp>
-        <p:nvSpPr>
-          <p:cNvPr id="9" name="Title 1">
-            <a:extLst>
-              <a:ext uri="{FF2B5EF4-FFF2-40B4-BE49-F238E27FC236}">
-                <a16:creationId xmlns:a16="http://schemas.microsoft.com/office/drawing/2014/main" id="{C1B9F53D-72DE-4C5C-976C-1147C36D3882}"/>
-              </a:ext>
-            </a:extLst>
-          </p:cNvPr>
-          <p:cNvSpPr>
-            <a:spLocks noGrp="1"/>
-          </p:cNvSpPr>
-          <p:nvPr>
-            <p:ph type="title"/>
-          </p:nvPr>
-        </p:nvSpPr>
-        <p:spPr>
-          <a:xfrm>
-            <a:off x="7122160" y="365125"/>
-            <a:ext cx="4231639" cy="1325563"/>
-          </a:xfrm>
-        </p:spPr>
-        <p:txBody>
-          <a:bodyPr>
-            <a:normAutofit fontScale="90000"/>
-          </a:bodyPr>
-          <a:lstStyle/>
-          <a:p>
-            <a:r>
-              <a:rPr lang="pt-PT" sz="5400" dirty="0" err="1">
-                <a:latin typeface="Affogato Medium" panose="00000600000000000000" pitchFamily="50" charset="0"/>
-              </a:rPr>
-              <a:t>Gantt</a:t>
-            </a:r>
-            <a:r>
-              <a:rPr lang="pt-PT" sz="5400" dirty="0">
-                <a:latin typeface="Affogato Medium" panose="00000600000000000000" pitchFamily="50" charset="0"/>
-              </a:rPr>
-              <a:t> </a:t>
-            </a:r>
-            <a:r>
-              <a:rPr lang="pt-PT" sz="5400" dirty="0" err="1">
-                <a:latin typeface="Affogato Medium" panose="00000600000000000000" pitchFamily="50" charset="0"/>
-              </a:rPr>
-              <a:t>Diagram</a:t>
-            </a:r>
-            <a:r>
-              <a:rPr lang="pt-PT" sz="5400" dirty="0">
-                <a:latin typeface="Affogato Medium" panose="00000600000000000000" pitchFamily="50" charset="0"/>
-              </a:rPr>
-              <a:t>.</a:t>
-            </a:r>
-          </a:p>
-        </p:txBody>
-      </p:sp>
-      <p:sp>
-        <p:nvSpPr>
-          <p:cNvPr id="2" name="Marcador de Posição de Conteúdo 1">
-            <a:extLst>
-              <a:ext uri="{FF2B5EF4-FFF2-40B4-BE49-F238E27FC236}">
-                <a16:creationId xmlns:a16="http://schemas.microsoft.com/office/drawing/2014/main" id="{805D574D-6FFC-4C88-BB02-B6B41CA887AD}"/>
-              </a:ext>
-            </a:extLst>
-          </p:cNvPr>
-          <p:cNvSpPr>
-            <a:spLocks noGrp="1"/>
-          </p:cNvSpPr>
-          <p:nvPr>
-            <p:ph idx="1"/>
-          </p:nvPr>
-        </p:nvSpPr>
-        <p:spPr/>
-        <p:txBody>
-          <a:bodyPr/>
-          <a:lstStyle/>
-          <a:p>
-            <a:endParaRPr lang="pt-PT"/>
-          </a:p>
-        </p:txBody>
-      </p:sp>
-    </p:spTree>
-    <p:extLst>
-      <p:ext uri="{BB962C8B-B14F-4D97-AF65-F5344CB8AC3E}">
-        <p14:creationId xmlns:p14="http://schemas.microsoft.com/office/powerpoint/2010/main" val="1202472401"/>
+        <p14:creationId xmlns:p14="http://schemas.microsoft.com/office/powerpoint/2010/main" val="1982325622"/>
       </p:ext>
     </p:extLst>
   </p:cSld>
